--- a/docs/Taine-revised.pptx
+++ b/docs/Taine-revised.pptx
@@ -354,21 +354,6 @@
 </pc:chgInfo>
 </file>
 
-<file path=ppt/comments/comment1.xml><?xml version="1.0" encoding="utf-8"?>
-<p:cmLst xmlns:a="http://schemas.openxmlformats.org/drawingml/2006/main" xmlns:r="http://schemas.openxmlformats.org/officeDocument/2006/relationships" xmlns:p="http://schemas.openxmlformats.org/presentationml/2006/main">
-  <p:cm authorId="1" dt="2020-10-18T22:48:59.209" idx="2">
-    <p:pos x="7680" y="0"/>
-    <p:text>top 3
-</p:text>
-    <p:extLst>
-      <p:ext uri="{C676402C-5697-4E1C-873F-D02D1690AC5C}">
-        <p15:threadingInfo xmlns:p15="http://schemas.microsoft.com/office/powerpoint/2012/main" timeZoneBias="420"/>
-      </p:ext>
-    </p:extLst>
-  </p:cm>
-</p:cmLst>
-</file>
-
 <file path=ppt/notesMasters/notesMaster1.xml><?xml version="1.0" encoding="utf-8"?>
 <p:notesMaster xmlns:a="http://schemas.openxmlformats.org/drawingml/2006/main" xmlns:r="http://schemas.openxmlformats.org/officeDocument/2006/relationships" xmlns:p="http://schemas.openxmlformats.org/presentationml/2006/main">
   <p:cSld>
@@ -9844,7 +9829,7 @@
         </p:nvSpPr>
         <p:spPr>
           <a:xfrm>
-            <a:off x="853440" y="1940407"/>
+            <a:off x="1003300" y="1361287"/>
             <a:ext cx="11033760" cy="4448013"/>
           </a:xfrm>
           <a:prstGeom prst="rect">
@@ -9994,7 +9979,7 @@
         </p:nvSpPr>
         <p:spPr>
           <a:xfrm>
-            <a:off x="7857963" y="3652238"/>
+            <a:off x="8007823" y="3073118"/>
             <a:ext cx="1763114" cy="456822"/>
           </a:xfrm>
           <a:prstGeom prst="roundRect">
@@ -10128,7 +10113,7 @@
         </p:nvSpPr>
         <p:spPr>
           <a:xfrm>
-            <a:off x="7857963" y="2903321"/>
+            <a:off x="8007823" y="2324201"/>
             <a:ext cx="1763114" cy="483436"/>
           </a:xfrm>
           <a:prstGeom prst="roundRect">
@@ -10195,7 +10180,7 @@
         </p:nvSpPr>
         <p:spPr>
           <a:xfrm>
-            <a:off x="7857963" y="4351427"/>
+            <a:off x="8007823" y="3772307"/>
             <a:ext cx="952082" cy="456822"/>
           </a:xfrm>
           <a:prstGeom prst="roundRect">
@@ -10254,7 +10239,7 @@
         </p:nvSpPr>
         <p:spPr>
           <a:xfrm>
-            <a:off x="1188255" y="5161046"/>
+            <a:off x="1352550" y="4785553"/>
             <a:ext cx="10335260" cy="400110"/>
           </a:xfrm>
           <a:prstGeom prst="rect">
@@ -10303,7 +10288,7 @@
         </p:nvSpPr>
         <p:spPr>
           <a:xfrm>
-            <a:off x="853440" y="5599719"/>
+            <a:off x="1003300" y="5220251"/>
             <a:ext cx="9149225" cy="523220"/>
           </a:xfrm>
           <a:prstGeom prst="rect">
@@ -10327,13 +10312,7 @@
               <a:rPr lang="en-US" sz="2800" dirty="0">
                 <a:latin typeface="-apple-system"/>
               </a:rPr>
-              <a:t>. A JIT </a:t>
-            </a:r>
-            <a:r>
-              <a:rPr lang="en-US" altLang="zh-CN" sz="2800" dirty="0">
-                <a:latin typeface="-apple-system"/>
-              </a:rPr>
-              <a:t>implementation which is </a:t>
+              <a:t>. A </a:t>
             </a:r>
             <a:r>
               <a:rPr lang="en-US" altLang="zh-CN" sz="2800" b="1" dirty="0">
@@ -10357,13 +10336,13 @@
                 </a:solidFill>
                 <a:latin typeface="-apple-system"/>
               </a:rPr>
-              <a:t>extensible</a:t>
+              <a:t>extensible </a:t>
             </a:r>
             <a:r>
               <a:rPr lang="en-US" altLang="zh-CN" sz="2800" dirty="0">
                 <a:latin typeface="-apple-system"/>
               </a:rPr>
-              <a:t>. </a:t>
+              <a:t>JIT implementation is better. </a:t>
             </a:r>
             <a:r>
               <a:rPr lang="en-US" sz="2800" dirty="0">
@@ -11608,8 +11587,8 @@
         </p:nvSpPr>
         <p:spPr>
           <a:xfrm>
-            <a:off x="6784946" y="4273012"/>
-            <a:ext cx="1539130" cy="728370"/>
+            <a:off x="6701184" y="4355426"/>
+            <a:ext cx="1718974" cy="728370"/>
           </a:xfrm>
           <a:prstGeom prst="rightArrow">
             <a:avLst/>
@@ -11638,7 +11617,11 @@
             <a:pPr algn="ctr"/>
             <a:r>
               <a:rPr lang="en-US" dirty="0"/>
-              <a:t>overhead</a:t>
+              <a:t>Overheads </a:t>
+            </a:r>
+            <a:r>
+              <a:rPr lang="en-US" sz="1600" dirty="0"/>
+              <a:t>e.g.</a:t>
             </a:r>
           </a:p>
         </p:txBody>
@@ -16638,8 +16621,8 @@
           </a:effectLst>
         </p:spPr>
       </p:pic>
-      <mc:AlternateContent xmlns:mc="http://schemas.openxmlformats.org/markup-compatibility/2006">
-        <mc:Choice xmlns:a14="http://schemas.microsoft.com/office/drawing/2010/main" Requires="a14">
+      <mc:AlternateContent xmlns:mc="http://schemas.openxmlformats.org/markup-compatibility/2006" xmlns:a14="http://schemas.microsoft.com/office/drawing/2010/main">
+        <mc:Choice Requires="a14">
           <p:graphicFrame>
             <p:nvGraphicFramePr>
               <p:cNvPr id="9" name="Table 9">
@@ -16815,7 +16798,7 @@
             </a:graphic>
           </p:graphicFrame>
         </mc:Choice>
-        <mc:Fallback>
+        <mc:Fallback xmlns="">
           <p:graphicFrame>
             <p:nvGraphicFramePr>
               <p:cNvPr id="9" name="Table 9">
@@ -16987,8 +16970,8 @@
           </a:p>
         </p:txBody>
       </p:sp>
-      <mc:AlternateContent xmlns:mc="http://schemas.openxmlformats.org/markup-compatibility/2006">
-        <mc:Choice xmlns:a14="http://schemas.microsoft.com/office/drawing/2010/main" Requires="a14">
+      <mc:AlternateContent xmlns:mc="http://schemas.openxmlformats.org/markup-compatibility/2006" xmlns:a14="http://schemas.microsoft.com/office/drawing/2010/main">
+        <mc:Choice Requires="a14">
           <p:graphicFrame>
             <p:nvGraphicFramePr>
               <p:cNvPr id="14" name="Table 14">
@@ -17127,7 +17110,7 @@
             </a:graphic>
           </p:graphicFrame>
         </mc:Choice>
-        <mc:Fallback>
+        <mc:Fallback xmlns="">
           <p:graphicFrame>
             <p:nvGraphicFramePr>
               <p:cNvPr id="14" name="Table 14">
@@ -17400,8 +17383,8 @@
           </a:p>
         </p:txBody>
       </p:sp>
-      <mc:AlternateContent xmlns:mc="http://schemas.openxmlformats.org/markup-compatibility/2006">
-        <mc:Choice xmlns:a14="http://schemas.microsoft.com/office/drawing/2010/main" Requires="a14">
+      <mc:AlternateContent xmlns:mc="http://schemas.openxmlformats.org/markup-compatibility/2006" xmlns:a14="http://schemas.microsoft.com/office/drawing/2010/main">
+        <mc:Choice Requires="a14">
           <p:graphicFrame>
             <p:nvGraphicFramePr>
               <p:cNvPr id="9" name="Table 9">
@@ -17577,7 +17560,7 @@
             </a:graphic>
           </p:graphicFrame>
         </mc:Choice>
-        <mc:Fallback>
+        <mc:Fallback xmlns="">
           <p:graphicFrame>
             <p:nvGraphicFramePr>
               <p:cNvPr id="9" name="Table 9">
@@ -18874,8 +18857,8 @@
           </a:p>
         </p:txBody>
       </p:sp>
-      <mc:AlternateContent xmlns:mc="http://schemas.openxmlformats.org/markup-compatibility/2006">
-        <mc:Choice xmlns:a14="http://schemas.microsoft.com/office/drawing/2010/main" Requires="a14">
+      <mc:AlternateContent xmlns:mc="http://schemas.openxmlformats.org/markup-compatibility/2006" xmlns:a14="http://schemas.microsoft.com/office/drawing/2010/main">
+        <mc:Choice Requires="a14">
           <p:sp>
             <p:nvSpPr>
               <p:cNvPr id="4" name="TextBox 3">
@@ -18956,7 +18939,7 @@
             </p:txBody>
           </p:sp>
         </mc:Choice>
-        <mc:Fallback>
+        <mc:Fallback xmlns="">
           <p:sp>
             <p:nvSpPr>
               <p:cNvPr id="4" name="TextBox 3">
@@ -26368,7 +26351,7 @@
           <a:p>
             <a:r>
               <a:rPr lang="en-US" sz="6000" dirty="0"/>
-              <a:t>Python is important!</a:t>
+              <a:t>Python is so important!</a:t>
             </a:r>
           </a:p>
           <a:p>
@@ -26746,7 +26729,7 @@
         </p:nvSpPr>
         <p:spPr>
           <a:xfrm>
-            <a:off x="741270" y="1954770"/>
+            <a:off x="735101" y="1935061"/>
             <a:ext cx="1893354" cy="969405"/>
           </a:xfrm>
           <a:prstGeom prst="rect">
@@ -26804,9 +26787,9 @@
           <p:nvPr/>
         </p:nvCxnSpPr>
         <p:spPr>
-          <a:xfrm flipV="1">
-            <a:off x="2634624" y="2419765"/>
-            <a:ext cx="1499104" cy="19708"/>
+          <a:xfrm>
+            <a:off x="2628455" y="2419764"/>
+            <a:ext cx="1505273" cy="1"/>
           </a:xfrm>
           <a:prstGeom prst="straightConnector1">
             <a:avLst/>
